--- a/circuit.pptx
+++ b/circuit.pptx
@@ -6,6 +6,13 @@
   </p:sldMasterIdLst>
   <p:sldIdLst>
     <p:sldId id="257" r:id="rId2"/>
+    <p:sldId id="259" r:id="rId3"/>
+    <p:sldId id="260" r:id="rId4"/>
+    <p:sldId id="261" r:id="rId5"/>
+    <p:sldId id="262" r:id="rId6"/>
+    <p:sldId id="263" r:id="rId7"/>
+    <p:sldId id="265" r:id="rId8"/>
+    <p:sldId id="266" r:id="rId9"/>
   </p:sldIdLst>
   <p:sldSz cx="12192000" cy="6858000"/>
   <p:notesSz cx="6858000" cy="9144000"/>
@@ -104,6 +111,11 @@
       </a:defRPr>
     </a:lvl9pPr>
   </p:defaultTextStyle>
+  <p:extLst>
+    <p:ext uri="{EFAFB233-063F-42B5-8137-9DF3F51BA10A}">
+      <p15:sldGuideLst xmlns:p15="http://schemas.microsoft.com/office/powerpoint/2012/main"/>
+    </p:ext>
+  </p:extLst>
 </p:presentation>
 </file>
 
@@ -254,7 +266,7 @@
           <a:p>
             <a:fld id="{F863C756-CAD4-4EBE-B6D0-CF391B840DB6}" type="datetimeFigureOut">
               <a:rPr lang="en-US" smtClean="0"/>
-              <a:t>1/21/2020</a:t>
+              <a:t>1/22/2020</a:t>
             </a:fld>
             <a:endParaRPr lang="en-US"/>
           </a:p>
@@ -452,7 +464,7 @@
           <a:p>
             <a:fld id="{F863C756-CAD4-4EBE-B6D0-CF391B840DB6}" type="datetimeFigureOut">
               <a:rPr lang="en-US" smtClean="0"/>
-              <a:t>1/21/2020</a:t>
+              <a:t>1/22/2020</a:t>
             </a:fld>
             <a:endParaRPr lang="en-US"/>
           </a:p>
@@ -660,7 +672,7 @@
           <a:p>
             <a:fld id="{F863C756-CAD4-4EBE-B6D0-CF391B840DB6}" type="datetimeFigureOut">
               <a:rPr lang="en-US" smtClean="0"/>
-              <a:t>1/21/2020</a:t>
+              <a:t>1/22/2020</a:t>
             </a:fld>
             <a:endParaRPr lang="en-US"/>
           </a:p>
@@ -858,7 +870,7 @@
           <a:p>
             <a:fld id="{F863C756-CAD4-4EBE-B6D0-CF391B840DB6}" type="datetimeFigureOut">
               <a:rPr lang="en-US" smtClean="0"/>
-              <a:t>1/21/2020</a:t>
+              <a:t>1/22/2020</a:t>
             </a:fld>
             <a:endParaRPr lang="en-US"/>
           </a:p>
@@ -1133,7 +1145,7 @@
           <a:p>
             <a:fld id="{F863C756-CAD4-4EBE-B6D0-CF391B840DB6}" type="datetimeFigureOut">
               <a:rPr lang="en-US" smtClean="0"/>
-              <a:t>1/21/2020</a:t>
+              <a:t>1/22/2020</a:t>
             </a:fld>
             <a:endParaRPr lang="en-US"/>
           </a:p>
@@ -1398,7 +1410,7 @@
           <a:p>
             <a:fld id="{F863C756-CAD4-4EBE-B6D0-CF391B840DB6}" type="datetimeFigureOut">
               <a:rPr lang="en-US" smtClean="0"/>
-              <a:t>1/21/2020</a:t>
+              <a:t>1/22/2020</a:t>
             </a:fld>
             <a:endParaRPr lang="en-US"/>
           </a:p>
@@ -1810,7 +1822,7 @@
           <a:p>
             <a:fld id="{F863C756-CAD4-4EBE-B6D0-CF391B840DB6}" type="datetimeFigureOut">
               <a:rPr lang="en-US" smtClean="0"/>
-              <a:t>1/21/2020</a:t>
+              <a:t>1/22/2020</a:t>
             </a:fld>
             <a:endParaRPr lang="en-US"/>
           </a:p>
@@ -1951,7 +1963,7 @@
           <a:p>
             <a:fld id="{F863C756-CAD4-4EBE-B6D0-CF391B840DB6}" type="datetimeFigureOut">
               <a:rPr lang="en-US" smtClean="0"/>
-              <a:t>1/21/2020</a:t>
+              <a:t>1/22/2020</a:t>
             </a:fld>
             <a:endParaRPr lang="en-US"/>
           </a:p>
@@ -2064,7 +2076,7 @@
           <a:p>
             <a:fld id="{F863C756-CAD4-4EBE-B6D0-CF391B840DB6}" type="datetimeFigureOut">
               <a:rPr lang="en-US" smtClean="0"/>
-              <a:t>1/21/2020</a:t>
+              <a:t>1/22/2020</a:t>
             </a:fld>
             <a:endParaRPr lang="en-US"/>
           </a:p>
@@ -2375,7 +2387,7 @@
           <a:p>
             <a:fld id="{F863C756-CAD4-4EBE-B6D0-CF391B840DB6}" type="datetimeFigureOut">
               <a:rPr lang="en-US" smtClean="0"/>
-              <a:t>1/21/2020</a:t>
+              <a:t>1/22/2020</a:t>
             </a:fld>
             <a:endParaRPr lang="en-US"/>
           </a:p>
@@ -2663,7 +2675,7 @@
           <a:p>
             <a:fld id="{F863C756-CAD4-4EBE-B6D0-CF391B840DB6}" type="datetimeFigureOut">
               <a:rPr lang="en-US" smtClean="0"/>
-              <a:t>1/21/2020</a:t>
+              <a:t>1/22/2020</a:t>
             </a:fld>
             <a:endParaRPr lang="en-US"/>
           </a:p>
@@ -2904,7 +2916,7 @@
           <a:p>
             <a:fld id="{F863C756-CAD4-4EBE-B6D0-CF391B840DB6}" type="datetimeFigureOut">
               <a:rPr lang="en-US" smtClean="0"/>
-              <a:t>1/21/2020</a:t>
+              <a:t>1/22/2020</a:t>
             </a:fld>
             <a:endParaRPr lang="en-US"/>
           </a:p>
@@ -3968,6 +3980,1215 @@
 </p:sld>
 </file>
 
+<file path=ppt/slides/slide2.xml><?xml version="1.0" encoding="utf-8"?>
+<p:sld xmlns:a="http://schemas.openxmlformats.org/drawingml/2006/main" xmlns:r="http://schemas.openxmlformats.org/officeDocument/2006/relationships" xmlns:p="http://schemas.openxmlformats.org/presentationml/2006/main">
+  <p:cSld>
+    <p:spTree>
+      <p:nvGrpSpPr>
+        <p:cNvPr id="1" name=""/>
+        <p:cNvGrpSpPr/>
+        <p:nvPr/>
+      </p:nvGrpSpPr>
+      <p:grpSpPr>
+        <a:xfrm>
+          <a:off x="0" y="0"/>
+          <a:ext cx="0" cy="0"/>
+          <a:chOff x="0" y="0"/>
+          <a:chExt cx="0" cy="0"/>
+        </a:xfrm>
+      </p:grpSpPr>
+      <p:cxnSp>
+        <p:nvCxnSpPr>
+          <p:cNvPr id="4" name="Straight Connector 3">
+            <a:extLst>
+              <a:ext uri="{FF2B5EF4-FFF2-40B4-BE49-F238E27FC236}">
+                <a16:creationId xmlns:a16="http://schemas.microsoft.com/office/drawing/2014/main" id="{C48D719F-BC8B-4983-BCAA-72794205A1A9}"/>
+              </a:ext>
+            </a:extLst>
+          </p:cNvPr>
+          <p:cNvCxnSpPr/>
+          <p:nvPr/>
+        </p:nvCxnSpPr>
+        <p:spPr>
+          <a:xfrm>
+            <a:off x="1819275" y="2825198"/>
+            <a:ext cx="495300" cy="0"/>
+          </a:xfrm>
+          <a:prstGeom prst="line">
+            <a:avLst/>
+          </a:prstGeom>
+          <a:ln w="25400">
+            <a:solidFill>
+              <a:schemeClr val="accent4">
+                <a:lumMod val="40000"/>
+                <a:lumOff val="60000"/>
+              </a:schemeClr>
+            </a:solidFill>
+          </a:ln>
+        </p:spPr>
+        <p:style>
+          <a:lnRef idx="1">
+            <a:schemeClr val="accent1"/>
+          </a:lnRef>
+          <a:fillRef idx="0">
+            <a:schemeClr val="accent1"/>
+          </a:fillRef>
+          <a:effectRef idx="0">
+            <a:schemeClr val="accent1"/>
+          </a:effectRef>
+          <a:fontRef idx="minor">
+            <a:schemeClr val="tx1"/>
+          </a:fontRef>
+        </p:style>
+      </p:cxnSp>
+      <p:cxnSp>
+        <p:nvCxnSpPr>
+          <p:cNvPr id="5" name="Straight Connector 4">
+            <a:extLst>
+              <a:ext uri="{FF2B5EF4-FFF2-40B4-BE49-F238E27FC236}">
+                <a16:creationId xmlns:a16="http://schemas.microsoft.com/office/drawing/2014/main" id="{E6BA1572-25B6-4D57-841C-BA8A9A167CA6}"/>
+              </a:ext>
+            </a:extLst>
+          </p:cNvPr>
+          <p:cNvCxnSpPr>
+            <a:cxnSpLocks/>
+          </p:cNvCxnSpPr>
+          <p:nvPr/>
+        </p:nvCxnSpPr>
+        <p:spPr>
+          <a:xfrm>
+            <a:off x="1824517" y="2812498"/>
+            <a:ext cx="0" cy="1696002"/>
+          </a:xfrm>
+          <a:prstGeom prst="line">
+            <a:avLst/>
+          </a:prstGeom>
+          <a:ln w="25400">
+            <a:solidFill>
+              <a:schemeClr val="accent4">
+                <a:lumMod val="40000"/>
+                <a:lumOff val="60000"/>
+              </a:schemeClr>
+            </a:solidFill>
+          </a:ln>
+        </p:spPr>
+        <p:style>
+          <a:lnRef idx="1">
+            <a:schemeClr val="accent1"/>
+          </a:lnRef>
+          <a:fillRef idx="0">
+            <a:schemeClr val="accent1"/>
+          </a:fillRef>
+          <a:effectRef idx="0">
+            <a:schemeClr val="accent1"/>
+          </a:effectRef>
+          <a:fontRef idx="minor">
+            <a:schemeClr val="tx1"/>
+          </a:fontRef>
+        </p:style>
+      </p:cxnSp>
+      <p:cxnSp>
+        <p:nvCxnSpPr>
+          <p:cNvPr id="7" name="Straight Connector 6">
+            <a:extLst>
+              <a:ext uri="{FF2B5EF4-FFF2-40B4-BE49-F238E27FC236}">
+                <a16:creationId xmlns:a16="http://schemas.microsoft.com/office/drawing/2014/main" id="{2E021AEB-6E75-462D-8D10-D3CA5185AFE4}"/>
+              </a:ext>
+            </a:extLst>
+          </p:cNvPr>
+          <p:cNvCxnSpPr>
+            <a:cxnSpLocks/>
+          </p:cNvCxnSpPr>
+          <p:nvPr/>
+        </p:nvCxnSpPr>
+        <p:spPr>
+          <a:xfrm>
+            <a:off x="1811712" y="4501676"/>
+            <a:ext cx="6492370" cy="0"/>
+          </a:xfrm>
+          <a:prstGeom prst="line">
+            <a:avLst/>
+          </a:prstGeom>
+          <a:ln w="25400">
+            <a:solidFill>
+              <a:schemeClr val="accent4">
+                <a:lumMod val="40000"/>
+                <a:lumOff val="60000"/>
+              </a:schemeClr>
+            </a:solidFill>
+          </a:ln>
+        </p:spPr>
+        <p:style>
+          <a:lnRef idx="1">
+            <a:schemeClr val="accent1"/>
+          </a:lnRef>
+          <a:fillRef idx="0">
+            <a:schemeClr val="accent1"/>
+          </a:fillRef>
+          <a:effectRef idx="0">
+            <a:schemeClr val="accent1"/>
+          </a:effectRef>
+          <a:fontRef idx="minor">
+            <a:schemeClr val="tx1"/>
+          </a:fontRef>
+        </p:style>
+      </p:cxnSp>
+      <p:cxnSp>
+        <p:nvCxnSpPr>
+          <p:cNvPr id="9" name="Straight Connector 8">
+            <a:extLst>
+              <a:ext uri="{FF2B5EF4-FFF2-40B4-BE49-F238E27FC236}">
+                <a16:creationId xmlns:a16="http://schemas.microsoft.com/office/drawing/2014/main" id="{FDA33230-DC12-4BBF-ADFB-F0576CADE97F}"/>
+              </a:ext>
+            </a:extLst>
+          </p:cNvPr>
+          <p:cNvCxnSpPr>
+            <a:cxnSpLocks/>
+          </p:cNvCxnSpPr>
+          <p:nvPr/>
+        </p:nvCxnSpPr>
+        <p:spPr>
+          <a:xfrm>
+            <a:off x="8304082" y="2819322"/>
+            <a:ext cx="0" cy="1696002"/>
+          </a:xfrm>
+          <a:prstGeom prst="line">
+            <a:avLst/>
+          </a:prstGeom>
+          <a:ln w="25400">
+            <a:solidFill>
+              <a:schemeClr val="accent4">
+                <a:lumMod val="40000"/>
+                <a:lumOff val="60000"/>
+              </a:schemeClr>
+            </a:solidFill>
+          </a:ln>
+        </p:spPr>
+        <p:style>
+          <a:lnRef idx="1">
+            <a:schemeClr val="accent1"/>
+          </a:lnRef>
+          <a:fillRef idx="0">
+            <a:schemeClr val="accent1"/>
+          </a:fillRef>
+          <a:effectRef idx="0">
+            <a:schemeClr val="accent1"/>
+          </a:effectRef>
+          <a:fontRef idx="minor">
+            <a:schemeClr val="tx1"/>
+          </a:fontRef>
+        </p:style>
+      </p:cxnSp>
+      <p:cxnSp>
+        <p:nvCxnSpPr>
+          <p:cNvPr id="10" name="Straight Connector 9">
+            <a:extLst>
+              <a:ext uri="{FF2B5EF4-FFF2-40B4-BE49-F238E27FC236}">
+                <a16:creationId xmlns:a16="http://schemas.microsoft.com/office/drawing/2014/main" id="{D0E32573-75F3-44BA-A92D-B58EFF1C3E83}"/>
+              </a:ext>
+            </a:extLst>
+          </p:cNvPr>
+          <p:cNvCxnSpPr/>
+          <p:nvPr/>
+        </p:nvCxnSpPr>
+        <p:spPr>
+          <a:xfrm>
+            <a:off x="7822430" y="2828031"/>
+            <a:ext cx="495300" cy="0"/>
+          </a:xfrm>
+          <a:prstGeom prst="line">
+            <a:avLst/>
+          </a:prstGeom>
+          <a:ln w="25400">
+            <a:solidFill>
+              <a:schemeClr val="accent4">
+                <a:lumMod val="40000"/>
+                <a:lumOff val="60000"/>
+              </a:schemeClr>
+            </a:solidFill>
+          </a:ln>
+        </p:spPr>
+        <p:style>
+          <a:lnRef idx="1">
+            <a:schemeClr val="accent1"/>
+          </a:lnRef>
+          <a:fillRef idx="0">
+            <a:schemeClr val="accent1"/>
+          </a:fillRef>
+          <a:effectRef idx="0">
+            <a:schemeClr val="accent1"/>
+          </a:effectRef>
+          <a:fontRef idx="minor">
+            <a:schemeClr val="tx1"/>
+          </a:fontRef>
+        </p:style>
+      </p:cxnSp>
+      <p:sp>
+        <p:nvSpPr>
+          <p:cNvPr id="11" name="Trapezoid 10">
+            <a:extLst>
+              <a:ext uri="{FF2B5EF4-FFF2-40B4-BE49-F238E27FC236}">
+                <a16:creationId xmlns:a16="http://schemas.microsoft.com/office/drawing/2014/main" id="{BEC4FEA6-6D70-4AA3-A702-386789EEDA4C}"/>
+              </a:ext>
+            </a:extLst>
+          </p:cNvPr>
+          <p:cNvSpPr/>
+          <p:nvPr/>
+        </p:nvSpPr>
+        <p:spPr>
+          <a:xfrm rot="16200000" flipH="1">
+            <a:off x="7138138" y="2693996"/>
+            <a:ext cx="1351774" cy="237004"/>
+          </a:xfrm>
+          <a:prstGeom prst="trapezoid">
+            <a:avLst>
+              <a:gd name="adj" fmla="val 81667"/>
+            </a:avLst>
+          </a:prstGeom>
+        </p:spPr>
+        <p:style>
+          <a:lnRef idx="2">
+            <a:schemeClr val="accent1">
+              <a:shade val="50000"/>
+            </a:schemeClr>
+          </a:lnRef>
+          <a:fillRef idx="1">
+            <a:schemeClr val="accent1"/>
+          </a:fillRef>
+          <a:effectRef idx="0">
+            <a:schemeClr val="accent1"/>
+          </a:effectRef>
+          <a:fontRef idx="minor">
+            <a:schemeClr val="lt1"/>
+          </a:fontRef>
+        </p:style>
+        <p:txBody>
+          <a:bodyPr rtlCol="0" anchor="ctr"/>
+          <a:lstStyle/>
+          <a:p>
+            <a:pPr algn="ctr"/>
+            <a:endParaRPr lang="en-US"/>
+          </a:p>
+        </p:txBody>
+      </p:sp>
+    </p:spTree>
+    <p:extLst>
+      <p:ext uri="{BB962C8B-B14F-4D97-AF65-F5344CB8AC3E}">
+        <p14:creationId xmlns:p14="http://schemas.microsoft.com/office/powerpoint/2010/main" val="1984042110"/>
+      </p:ext>
+    </p:extLst>
+  </p:cSld>
+  <p:clrMapOvr>
+    <a:masterClrMapping/>
+  </p:clrMapOvr>
+</p:sld>
+</file>
+
+<file path=ppt/slides/slide3.xml><?xml version="1.0" encoding="utf-8"?>
+<p:sld xmlns:a="http://schemas.openxmlformats.org/drawingml/2006/main" xmlns:r="http://schemas.openxmlformats.org/officeDocument/2006/relationships" xmlns:p="http://schemas.openxmlformats.org/presentationml/2006/main">
+  <p:cSld>
+    <p:bg>
+      <p:bgPr>
+        <a:solidFill>
+          <a:schemeClr val="tx1"/>
+        </a:solidFill>
+        <a:effectLst/>
+      </p:bgPr>
+    </p:bg>
+    <p:spTree>
+      <p:nvGrpSpPr>
+        <p:cNvPr id="1" name=""/>
+        <p:cNvGrpSpPr/>
+        <p:nvPr/>
+      </p:nvGrpSpPr>
+      <p:grpSpPr>
+        <a:xfrm>
+          <a:off x="0" y="0"/>
+          <a:ext cx="0" cy="0"/>
+          <a:chOff x="0" y="0"/>
+          <a:chExt cx="0" cy="0"/>
+        </a:xfrm>
+      </p:grpSpPr>
+      <p:pic>
+        <p:nvPicPr>
+          <p:cNvPr id="3" name="Picture 2" descr="A close up of a logo&#10;&#10;Description automatically generated">
+            <a:extLst>
+              <a:ext uri="{FF2B5EF4-FFF2-40B4-BE49-F238E27FC236}">
+                <a16:creationId xmlns:a16="http://schemas.microsoft.com/office/drawing/2014/main" id="{9C8DB72E-21EE-4290-8A3F-76E74BD973D1}"/>
+              </a:ext>
+            </a:extLst>
+          </p:cNvPr>
+          <p:cNvPicPr>
+            <a:picLocks noChangeAspect="1"/>
+          </p:cNvPicPr>
+          <p:nvPr/>
+        </p:nvPicPr>
+        <p:blipFill rotWithShape="1">
+          <a:blip r:embed="rId2">
+            <a:clrChange>
+              <a:clrFrom>
+                <a:srgbClr val="000000">
+                  <a:alpha val="0"/>
+                </a:srgbClr>
+              </a:clrFrom>
+              <a:clrTo>
+                <a:srgbClr val="000000">
+                  <a:alpha val="0"/>
+                </a:srgbClr>
+              </a:clrTo>
+            </a:clrChange>
+            <a:extLst>
+              <a:ext uri="{28A0092B-C50C-407E-A947-70E740481C1C}">
+                <a14:useLocalDpi xmlns:a14="http://schemas.microsoft.com/office/drawing/2010/main" val="0"/>
+              </a:ext>
+            </a:extLst>
+          </a:blip>
+          <a:srcRect t="2135"/>
+          <a:stretch/>
+        </p:blipFill>
+        <p:spPr>
+          <a:xfrm>
+            <a:off x="2834357" y="2107096"/>
+            <a:ext cx="6523285" cy="2702767"/>
+          </a:xfrm>
+          <a:prstGeom prst="rect">
+            <a:avLst/>
+          </a:prstGeom>
+        </p:spPr>
+      </p:pic>
+      <p:pic>
+        <p:nvPicPr>
+          <p:cNvPr id="6" name="Picture 5">
+            <a:extLst>
+              <a:ext uri="{FF2B5EF4-FFF2-40B4-BE49-F238E27FC236}">
+                <a16:creationId xmlns:a16="http://schemas.microsoft.com/office/drawing/2014/main" id="{8015D09C-AB1C-49FF-A8E8-46DE384C73FD}"/>
+              </a:ext>
+            </a:extLst>
+          </p:cNvPr>
+          <p:cNvPicPr>
+            <a:picLocks noChangeAspect="1"/>
+          </p:cNvPicPr>
+          <p:nvPr/>
+        </p:nvPicPr>
+        <p:blipFill rotWithShape="1">
+          <a:blip r:embed="rId3">
+            <a:clrChange>
+              <a:clrFrom>
+                <a:srgbClr val="FFFFFF"/>
+              </a:clrFrom>
+              <a:clrTo>
+                <a:srgbClr val="FFFFFF">
+                  <a:alpha val="0"/>
+                </a:srgbClr>
+              </a:clrTo>
+            </a:clrChange>
+          </a:blip>
+          <a:srcRect l="2465" t="13673" r="3210" b="12374"/>
+          <a:stretch/>
+        </p:blipFill>
+        <p:spPr>
+          <a:xfrm>
+            <a:off x="3923413" y="723014"/>
+            <a:ext cx="3593805" cy="2817628"/>
+          </a:xfrm>
+          <a:prstGeom prst="rect">
+            <a:avLst/>
+          </a:prstGeom>
+        </p:spPr>
+      </p:pic>
+    </p:spTree>
+    <p:extLst>
+      <p:ext uri="{BB962C8B-B14F-4D97-AF65-F5344CB8AC3E}">
+        <p14:creationId xmlns:p14="http://schemas.microsoft.com/office/powerpoint/2010/main" val="1831063060"/>
+      </p:ext>
+    </p:extLst>
+  </p:cSld>
+  <p:clrMapOvr>
+    <a:masterClrMapping/>
+  </p:clrMapOvr>
+</p:sld>
+</file>
+
+<file path=ppt/slides/slide4.xml><?xml version="1.0" encoding="utf-8"?>
+<p:sld xmlns:a="http://schemas.openxmlformats.org/drawingml/2006/main" xmlns:r="http://schemas.openxmlformats.org/officeDocument/2006/relationships" xmlns:p="http://schemas.openxmlformats.org/presentationml/2006/main">
+  <p:cSld>
+    <p:bg>
+      <p:bgPr>
+        <a:solidFill>
+          <a:schemeClr val="tx1"/>
+        </a:solidFill>
+        <a:effectLst/>
+      </p:bgPr>
+    </p:bg>
+    <p:spTree>
+      <p:nvGrpSpPr>
+        <p:cNvPr id="1" name=""/>
+        <p:cNvGrpSpPr/>
+        <p:nvPr/>
+      </p:nvGrpSpPr>
+      <p:grpSpPr>
+        <a:xfrm>
+          <a:off x="0" y="0"/>
+          <a:ext cx="0" cy="0"/>
+          <a:chOff x="0" y="0"/>
+          <a:chExt cx="0" cy="0"/>
+        </a:xfrm>
+      </p:grpSpPr>
+      <p:pic>
+        <p:nvPicPr>
+          <p:cNvPr id="2" name="Picture 1">
+            <a:extLst>
+              <a:ext uri="{FF2B5EF4-FFF2-40B4-BE49-F238E27FC236}">
+                <a16:creationId xmlns:a16="http://schemas.microsoft.com/office/drawing/2014/main" id="{00FE81F9-97A8-4556-8D64-18B94FE1CFB6}"/>
+              </a:ext>
+            </a:extLst>
+          </p:cNvPr>
+          <p:cNvPicPr>
+            <a:picLocks noChangeAspect="1"/>
+          </p:cNvPicPr>
+          <p:nvPr/>
+        </p:nvPicPr>
+        <p:blipFill rotWithShape="1">
+          <a:blip r:embed="rId2">
+            <a:clrChange>
+              <a:clrFrom>
+                <a:srgbClr val="FFFFFF"/>
+              </a:clrFrom>
+              <a:clrTo>
+                <a:srgbClr val="FFFFFF">
+                  <a:alpha val="0"/>
+                </a:srgbClr>
+              </a:clrTo>
+            </a:clrChange>
+          </a:blip>
+          <a:srcRect l="13655" t="12566" r="15061" b="16752"/>
+          <a:stretch/>
+        </p:blipFill>
+        <p:spPr>
+          <a:xfrm>
+            <a:off x="4371974" y="2066926"/>
+            <a:ext cx="3381375" cy="2571750"/>
+          </a:xfrm>
+          <a:prstGeom prst="rect">
+            <a:avLst/>
+          </a:prstGeom>
+        </p:spPr>
+      </p:pic>
+    </p:spTree>
+    <p:extLst>
+      <p:ext uri="{BB962C8B-B14F-4D97-AF65-F5344CB8AC3E}">
+        <p14:creationId xmlns:p14="http://schemas.microsoft.com/office/powerpoint/2010/main" val="2380492631"/>
+      </p:ext>
+    </p:extLst>
+  </p:cSld>
+  <p:clrMapOvr>
+    <a:masterClrMapping/>
+  </p:clrMapOvr>
+</p:sld>
+</file>
+
+<file path=ppt/slides/slide5.xml><?xml version="1.0" encoding="utf-8"?>
+<p:sld xmlns:a="http://schemas.openxmlformats.org/drawingml/2006/main" xmlns:r="http://schemas.openxmlformats.org/officeDocument/2006/relationships" xmlns:p="http://schemas.openxmlformats.org/presentationml/2006/main">
+  <p:cSld>
+    <p:spTree>
+      <p:nvGrpSpPr>
+        <p:cNvPr id="1" name=""/>
+        <p:cNvGrpSpPr/>
+        <p:nvPr/>
+      </p:nvGrpSpPr>
+      <p:grpSpPr>
+        <a:xfrm>
+          <a:off x="0" y="0"/>
+          <a:ext cx="0" cy="0"/>
+          <a:chOff x="0" y="0"/>
+          <a:chExt cx="0" cy="0"/>
+        </a:xfrm>
+      </p:grpSpPr>
+      <p:pic>
+        <p:nvPicPr>
+          <p:cNvPr id="3" name="Picture 2" descr="A close up of a logo&#10;&#10;Description automatically generated">
+            <a:extLst>
+              <a:ext uri="{FF2B5EF4-FFF2-40B4-BE49-F238E27FC236}">
+                <a16:creationId xmlns:a16="http://schemas.microsoft.com/office/drawing/2014/main" id="{EA365B2F-2E66-425C-8B9A-42A7565BF5B8}"/>
+              </a:ext>
+            </a:extLst>
+          </p:cNvPr>
+          <p:cNvPicPr>
+            <a:picLocks noChangeAspect="1"/>
+          </p:cNvPicPr>
+          <p:nvPr/>
+        </p:nvPicPr>
+        <p:blipFill>
+          <a:blip r:embed="rId2">
+            <a:clrChange>
+              <a:clrFrom>
+                <a:srgbClr val="000000">
+                  <a:alpha val="0"/>
+                </a:srgbClr>
+              </a:clrFrom>
+              <a:clrTo>
+                <a:srgbClr val="000000">
+                  <a:alpha val="0"/>
+                </a:srgbClr>
+              </a:clrTo>
+            </a:clrChange>
+            <a:extLst>
+              <a:ext uri="{28A0092B-C50C-407E-A947-70E740481C1C}">
+                <a14:useLocalDpi xmlns:a14="http://schemas.microsoft.com/office/drawing/2010/main" val="0"/>
+              </a:ext>
+            </a:extLst>
+          </a:blip>
+          <a:stretch>
+            <a:fillRect/>
+          </a:stretch>
+        </p:blipFill>
+        <p:spPr>
+          <a:xfrm>
+            <a:off x="2934695" y="237091"/>
+            <a:ext cx="6523285" cy="2414225"/>
+          </a:xfrm>
+          <a:prstGeom prst="rect">
+            <a:avLst/>
+          </a:prstGeom>
+        </p:spPr>
+      </p:pic>
+      <p:cxnSp>
+        <p:nvCxnSpPr>
+          <p:cNvPr id="4" name="Straight Connector 3">
+            <a:extLst>
+              <a:ext uri="{FF2B5EF4-FFF2-40B4-BE49-F238E27FC236}">
+                <a16:creationId xmlns:a16="http://schemas.microsoft.com/office/drawing/2014/main" id="{087ECD27-C4E4-4C78-A87A-F42E21E12D40}"/>
+              </a:ext>
+            </a:extLst>
+          </p:cNvPr>
+          <p:cNvCxnSpPr/>
+          <p:nvPr/>
+        </p:nvCxnSpPr>
+        <p:spPr>
+          <a:xfrm>
+            <a:off x="1046922" y="4427107"/>
+            <a:ext cx="0" cy="1444487"/>
+          </a:xfrm>
+          <a:prstGeom prst="line">
+            <a:avLst/>
+          </a:prstGeom>
+          <a:ln w="57150">
+            <a:solidFill>
+              <a:schemeClr val="tx1"/>
+            </a:solidFill>
+          </a:ln>
+        </p:spPr>
+        <p:style>
+          <a:lnRef idx="1">
+            <a:schemeClr val="accent1"/>
+          </a:lnRef>
+          <a:fillRef idx="0">
+            <a:schemeClr val="accent1"/>
+          </a:fillRef>
+          <a:effectRef idx="0">
+            <a:schemeClr val="accent1"/>
+          </a:effectRef>
+          <a:fontRef idx="minor">
+            <a:schemeClr val="tx1"/>
+          </a:fontRef>
+        </p:style>
+      </p:cxnSp>
+      <p:pic>
+        <p:nvPicPr>
+          <p:cNvPr id="5" name="Picture 4">
+            <a:extLst>
+              <a:ext uri="{FF2B5EF4-FFF2-40B4-BE49-F238E27FC236}">
+                <a16:creationId xmlns:a16="http://schemas.microsoft.com/office/drawing/2014/main" id="{7B652646-9727-480E-BD9A-8850699B0DD5}"/>
+              </a:ext>
+            </a:extLst>
+          </p:cNvPr>
+          <p:cNvPicPr>
+            <a:picLocks noChangeAspect="1"/>
+          </p:cNvPicPr>
+          <p:nvPr/>
+        </p:nvPicPr>
+        <p:blipFill>
+          <a:blip r:embed="rId3"/>
+          <a:stretch>
+            <a:fillRect/>
+          </a:stretch>
+        </p:blipFill>
+        <p:spPr>
+          <a:xfrm>
+            <a:off x="2111587" y="3140739"/>
+            <a:ext cx="3383573" cy="2572735"/>
+          </a:xfrm>
+          <a:prstGeom prst="rect">
+            <a:avLst/>
+          </a:prstGeom>
+        </p:spPr>
+      </p:pic>
+      <p:pic>
+        <p:nvPicPr>
+          <p:cNvPr id="7" name="Picture 6">
+            <a:extLst>
+              <a:ext uri="{FF2B5EF4-FFF2-40B4-BE49-F238E27FC236}">
+                <a16:creationId xmlns:a16="http://schemas.microsoft.com/office/drawing/2014/main" id="{C3183179-45A5-452D-9999-73C229D193C9}"/>
+              </a:ext>
+            </a:extLst>
+          </p:cNvPr>
+          <p:cNvPicPr>
+            <a:picLocks noChangeAspect="1"/>
+          </p:cNvPicPr>
+          <p:nvPr/>
+        </p:nvPicPr>
+        <p:blipFill rotWithShape="1">
+          <a:blip r:embed="rId4"/>
+          <a:srcRect l="9517" t="12065" r="9407" b="12063"/>
+          <a:stretch/>
+        </p:blipFill>
+        <p:spPr>
+          <a:xfrm>
+            <a:off x="6696842" y="3140739"/>
+            <a:ext cx="3282045" cy="2572736"/>
+          </a:xfrm>
+          <a:prstGeom prst="rect">
+            <a:avLst/>
+          </a:prstGeom>
+        </p:spPr>
+      </p:pic>
+      <p:sp>
+        <p:nvSpPr>
+          <p:cNvPr id="8" name="Rectangle: Rounded Corners 7">
+            <a:extLst>
+              <a:ext uri="{FF2B5EF4-FFF2-40B4-BE49-F238E27FC236}">
+                <a16:creationId xmlns:a16="http://schemas.microsoft.com/office/drawing/2014/main" id="{9F9399F7-8852-4510-A6DF-793C623E457E}"/>
+              </a:ext>
+            </a:extLst>
+          </p:cNvPr>
+          <p:cNvSpPr/>
+          <p:nvPr/>
+        </p:nvSpPr>
+        <p:spPr>
+          <a:xfrm rot="18649170">
+            <a:off x="7837514" y="3676774"/>
+            <a:ext cx="45719" cy="1369450"/>
+          </a:xfrm>
+          <a:prstGeom prst="roundRect">
+            <a:avLst/>
+          </a:prstGeom>
+          <a:solidFill>
+            <a:srgbClr val="FF0000"/>
+          </a:solidFill>
+          <a:ln>
+            <a:solidFill>
+              <a:srgbClr val="FF0000"/>
+            </a:solidFill>
+          </a:ln>
+        </p:spPr>
+        <p:style>
+          <a:lnRef idx="2">
+            <a:schemeClr val="accent1">
+              <a:shade val="50000"/>
+            </a:schemeClr>
+          </a:lnRef>
+          <a:fillRef idx="1">
+            <a:schemeClr val="accent1"/>
+          </a:fillRef>
+          <a:effectRef idx="0">
+            <a:schemeClr val="accent1"/>
+          </a:effectRef>
+          <a:fontRef idx="minor">
+            <a:schemeClr val="lt1"/>
+          </a:fontRef>
+        </p:style>
+        <p:txBody>
+          <a:bodyPr rtlCol="0" anchor="ctr"/>
+          <a:lstStyle/>
+          <a:p>
+            <a:pPr algn="ctr"/>
+            <a:endParaRPr lang="en-US"/>
+          </a:p>
+        </p:txBody>
+      </p:sp>
+      <p:pic>
+        <p:nvPicPr>
+          <p:cNvPr id="10" name="Picture 9" descr="A picture containing object, yellow, black, pole&#10;&#10;Description automatically generated">
+            <a:extLst>
+              <a:ext uri="{FF2B5EF4-FFF2-40B4-BE49-F238E27FC236}">
+                <a16:creationId xmlns:a16="http://schemas.microsoft.com/office/drawing/2014/main" id="{D4AC7182-4D89-443A-BC8A-6147DB9EBB5E}"/>
+              </a:ext>
+            </a:extLst>
+          </p:cNvPr>
+          <p:cNvPicPr>
+            <a:picLocks noChangeAspect="1"/>
+          </p:cNvPicPr>
+          <p:nvPr/>
+        </p:nvPicPr>
+        <p:blipFill>
+          <a:blip r:embed="rId5">
+            <a:clrChange>
+              <a:clrFrom>
+                <a:srgbClr val="000000">
+                  <a:alpha val="0"/>
+                </a:srgbClr>
+              </a:clrFrom>
+              <a:clrTo>
+                <a:srgbClr val="000000">
+                  <a:alpha val="0"/>
+                </a:srgbClr>
+              </a:clrTo>
+            </a:clrChange>
+            <a:extLst>
+              <a:ext uri="{28A0092B-C50C-407E-A947-70E740481C1C}">
+                <a14:useLocalDpi xmlns:a14="http://schemas.microsoft.com/office/drawing/2010/main" val="0"/>
+              </a:ext>
+            </a:extLst>
+          </a:blip>
+          <a:stretch>
+            <a:fillRect/>
+          </a:stretch>
+        </p:blipFill>
+        <p:spPr>
+          <a:xfrm>
+            <a:off x="5556457" y="5516839"/>
+            <a:ext cx="1079086" cy="944962"/>
+          </a:xfrm>
+          <a:prstGeom prst="rect">
+            <a:avLst/>
+          </a:prstGeom>
+        </p:spPr>
+      </p:pic>
+      <p:pic>
+        <p:nvPicPr>
+          <p:cNvPr id="12" name="Picture 11" descr="A picture containing black, front, sitting, smoke&#10;&#10;Description automatically generated">
+            <a:extLst>
+              <a:ext uri="{FF2B5EF4-FFF2-40B4-BE49-F238E27FC236}">
+                <a16:creationId xmlns:a16="http://schemas.microsoft.com/office/drawing/2014/main" id="{41ACC3E6-AE99-4730-83D9-559EF72FDB8F}"/>
+              </a:ext>
+            </a:extLst>
+          </p:cNvPr>
+          <p:cNvPicPr>
+            <a:picLocks noChangeAspect="1"/>
+          </p:cNvPicPr>
+          <p:nvPr/>
+        </p:nvPicPr>
+        <p:blipFill>
+          <a:blip r:embed="rId6">
+            <a:clrChange>
+              <a:clrFrom>
+                <a:srgbClr val="000000">
+                  <a:alpha val="0"/>
+                </a:srgbClr>
+              </a:clrFrom>
+              <a:clrTo>
+                <a:srgbClr val="000000">
+                  <a:alpha val="0"/>
+                </a:srgbClr>
+              </a:clrTo>
+            </a:clrChange>
+            <a:extLst>
+              <a:ext uri="{28A0092B-C50C-407E-A947-70E740481C1C}">
+                <a14:useLocalDpi xmlns:a14="http://schemas.microsoft.com/office/drawing/2010/main" val="0"/>
+              </a:ext>
+            </a:extLst>
+          </a:blip>
+          <a:stretch>
+            <a:fillRect/>
+          </a:stretch>
+        </p:blipFill>
+        <p:spPr>
+          <a:xfrm>
+            <a:off x="5548510" y="499241"/>
+            <a:ext cx="1079086" cy="944962"/>
+          </a:xfrm>
+          <a:prstGeom prst="rect">
+            <a:avLst/>
+          </a:prstGeom>
+        </p:spPr>
+      </p:pic>
+      <p:pic>
+        <p:nvPicPr>
+          <p:cNvPr id="14" name="Picture 13" descr="A picture containing baseball, bat, player, ball&#10;&#10;Description automatically generated">
+            <a:extLst>
+              <a:ext uri="{FF2B5EF4-FFF2-40B4-BE49-F238E27FC236}">
+                <a16:creationId xmlns:a16="http://schemas.microsoft.com/office/drawing/2014/main" id="{83B928E0-88EB-45EB-B877-966D81138735}"/>
+              </a:ext>
+            </a:extLst>
+          </p:cNvPr>
+          <p:cNvPicPr>
+            <a:picLocks noChangeAspect="1"/>
+          </p:cNvPicPr>
+          <p:nvPr/>
+        </p:nvPicPr>
+        <p:blipFill>
+          <a:blip r:embed="rId7">
+            <a:clrChange>
+              <a:clrFrom>
+                <a:srgbClr val="000000">
+                  <a:alpha val="0"/>
+                </a:srgbClr>
+              </a:clrFrom>
+              <a:clrTo>
+                <a:srgbClr val="000000">
+                  <a:alpha val="0"/>
+                </a:srgbClr>
+              </a:clrTo>
+            </a:clrChange>
+            <a:extLst>
+              <a:ext uri="{28A0092B-C50C-407E-A947-70E740481C1C}">
+                <a14:useLocalDpi xmlns:a14="http://schemas.microsoft.com/office/drawing/2010/main" val="0"/>
+              </a:ext>
+            </a:extLst>
+          </a:blip>
+          <a:stretch>
+            <a:fillRect/>
+          </a:stretch>
+        </p:blipFill>
+        <p:spPr>
+          <a:xfrm>
+            <a:off x="5556457" y="2956519"/>
+            <a:ext cx="1079086" cy="944962"/>
+          </a:xfrm>
+          <a:prstGeom prst="rect">
+            <a:avLst/>
+          </a:prstGeom>
+        </p:spPr>
+      </p:pic>
+    </p:spTree>
+    <p:extLst>
+      <p:ext uri="{BB962C8B-B14F-4D97-AF65-F5344CB8AC3E}">
+        <p14:creationId xmlns:p14="http://schemas.microsoft.com/office/powerpoint/2010/main" val="3465687470"/>
+      </p:ext>
+    </p:extLst>
+  </p:cSld>
+  <p:clrMapOvr>
+    <a:masterClrMapping/>
+  </p:clrMapOvr>
+</p:sld>
+</file>
+
+<file path=ppt/slides/slide6.xml><?xml version="1.0" encoding="utf-8"?>
+<p:sld xmlns:a="http://schemas.openxmlformats.org/drawingml/2006/main" xmlns:r="http://schemas.openxmlformats.org/officeDocument/2006/relationships" xmlns:p="http://schemas.openxmlformats.org/presentationml/2006/main">
+  <p:cSld>
+    <p:spTree>
+      <p:nvGrpSpPr>
+        <p:cNvPr id="1" name=""/>
+        <p:cNvGrpSpPr/>
+        <p:nvPr/>
+      </p:nvGrpSpPr>
+      <p:grpSpPr>
+        <a:xfrm>
+          <a:off x="0" y="0"/>
+          <a:ext cx="0" cy="0"/>
+          <a:chOff x="0" y="0"/>
+          <a:chExt cx="0" cy="0"/>
+        </a:xfrm>
+      </p:grpSpPr>
+      <p:cxnSp>
+        <p:nvCxnSpPr>
+          <p:cNvPr id="3" name="Straight Connector 2">
+            <a:extLst>
+              <a:ext uri="{FF2B5EF4-FFF2-40B4-BE49-F238E27FC236}">
+                <a16:creationId xmlns:a16="http://schemas.microsoft.com/office/drawing/2014/main" id="{870AC4D0-0C57-4E10-8F0D-AB1698040E02}"/>
+              </a:ext>
+            </a:extLst>
+          </p:cNvPr>
+          <p:cNvCxnSpPr>
+            <a:cxnSpLocks/>
+          </p:cNvCxnSpPr>
+          <p:nvPr/>
+        </p:nvCxnSpPr>
+        <p:spPr>
+          <a:xfrm>
+            <a:off x="3108960" y="1041009"/>
+            <a:ext cx="0" cy="1674056"/>
+          </a:xfrm>
+          <a:prstGeom prst="line">
+            <a:avLst/>
+          </a:prstGeom>
+          <a:ln w="76200">
+            <a:solidFill>
+              <a:srgbClr val="FF0000"/>
+            </a:solidFill>
+          </a:ln>
+        </p:spPr>
+        <p:style>
+          <a:lnRef idx="1">
+            <a:schemeClr val="accent1"/>
+          </a:lnRef>
+          <a:fillRef idx="0">
+            <a:schemeClr val="accent1"/>
+          </a:fillRef>
+          <a:effectRef idx="0">
+            <a:schemeClr val="accent1"/>
+          </a:effectRef>
+          <a:fontRef idx="minor">
+            <a:schemeClr val="tx1"/>
+          </a:fontRef>
+        </p:style>
+      </p:cxnSp>
+    </p:spTree>
+    <p:extLst>
+      <p:ext uri="{BB962C8B-B14F-4D97-AF65-F5344CB8AC3E}">
+        <p14:creationId xmlns:p14="http://schemas.microsoft.com/office/powerpoint/2010/main" val="1070801914"/>
+      </p:ext>
+    </p:extLst>
+  </p:cSld>
+  <p:clrMapOvr>
+    <a:masterClrMapping/>
+  </p:clrMapOvr>
+</p:sld>
+</file>
+
+<file path=ppt/slides/slide7.xml><?xml version="1.0" encoding="utf-8"?>
+<p:sld xmlns:a="http://schemas.openxmlformats.org/drawingml/2006/main" xmlns:r="http://schemas.openxmlformats.org/officeDocument/2006/relationships" xmlns:p="http://schemas.openxmlformats.org/presentationml/2006/main">
+  <p:cSld>
+    <p:spTree>
+      <p:nvGrpSpPr>
+        <p:cNvPr id="1" name=""/>
+        <p:cNvGrpSpPr/>
+        <p:nvPr/>
+      </p:nvGrpSpPr>
+      <p:grpSpPr>
+        <a:xfrm>
+          <a:off x="0" y="0"/>
+          <a:ext cx="0" cy="0"/>
+          <a:chOff x="0" y="0"/>
+          <a:chExt cx="0" cy="0"/>
+        </a:xfrm>
+      </p:grpSpPr>
+      <p:sp>
+        <p:nvSpPr>
+          <p:cNvPr id="5" name="Rectangle: Rounded Corners 4">
+            <a:extLst>
+              <a:ext uri="{FF2B5EF4-FFF2-40B4-BE49-F238E27FC236}">
+                <a16:creationId xmlns:a16="http://schemas.microsoft.com/office/drawing/2014/main" id="{6261B13C-ABC8-456C-9EB7-4AAF46F02D74}"/>
+              </a:ext>
+            </a:extLst>
+          </p:cNvPr>
+          <p:cNvSpPr/>
+          <p:nvPr/>
+        </p:nvSpPr>
+        <p:spPr>
+          <a:xfrm>
+            <a:off x="1730326" y="253219"/>
+            <a:ext cx="8257736" cy="2321169"/>
+          </a:xfrm>
+          <a:prstGeom prst="roundRect">
+            <a:avLst/>
+          </a:prstGeom>
+          <a:noFill/>
+          <a:ln w="12700">
+            <a:solidFill>
+              <a:schemeClr val="accent6">
+                <a:lumMod val="75000"/>
+              </a:schemeClr>
+            </a:solidFill>
+          </a:ln>
+        </p:spPr>
+        <p:style>
+          <a:lnRef idx="2">
+            <a:schemeClr val="accent1">
+              <a:shade val="50000"/>
+            </a:schemeClr>
+          </a:lnRef>
+          <a:fillRef idx="1">
+            <a:schemeClr val="accent1"/>
+          </a:fillRef>
+          <a:effectRef idx="0">
+            <a:schemeClr val="accent1"/>
+          </a:effectRef>
+          <a:fontRef idx="minor">
+            <a:schemeClr val="lt1"/>
+          </a:fontRef>
+        </p:style>
+        <p:txBody>
+          <a:bodyPr rtlCol="0" anchor="ctr"/>
+          <a:lstStyle/>
+          <a:p>
+            <a:pPr algn="ctr"/>
+            <a:endParaRPr lang="en-US"/>
+          </a:p>
+        </p:txBody>
+      </p:sp>
+      <p:pic>
+        <p:nvPicPr>
+          <p:cNvPr id="9" name="Picture 8" descr="A close up of a logo&#10;&#10;Description automatically generated">
+            <a:extLst>
+              <a:ext uri="{FF2B5EF4-FFF2-40B4-BE49-F238E27FC236}">
+                <a16:creationId xmlns:a16="http://schemas.microsoft.com/office/drawing/2014/main" id="{25EE23A5-8156-4C42-9594-8BE4BAF19CEE}"/>
+              </a:ext>
+            </a:extLst>
+          </p:cNvPr>
+          <p:cNvPicPr>
+            <a:picLocks noChangeAspect="1"/>
+          </p:cNvPicPr>
+          <p:nvPr/>
+        </p:nvPicPr>
+        <p:blipFill>
+          <a:blip r:embed="rId2">
+            <a:clrChange>
+              <a:clrFrom>
+                <a:srgbClr val="000000">
+                  <a:alpha val="0"/>
+                </a:srgbClr>
+              </a:clrFrom>
+              <a:clrTo>
+                <a:srgbClr val="000000">
+                  <a:alpha val="0"/>
+                </a:srgbClr>
+              </a:clrTo>
+            </a:clrChange>
+            <a:extLst>
+              <a:ext uri="{28A0092B-C50C-407E-A947-70E740481C1C}">
+                <a14:useLocalDpi xmlns:a14="http://schemas.microsoft.com/office/drawing/2010/main" val="0"/>
+              </a:ext>
+            </a:extLst>
+          </a:blip>
+          <a:stretch>
+            <a:fillRect/>
+          </a:stretch>
+        </p:blipFill>
+        <p:spPr>
+          <a:xfrm>
+            <a:off x="1730326" y="3421967"/>
+            <a:ext cx="8266892" cy="2328874"/>
+          </a:xfrm>
+          <a:prstGeom prst="rect">
+            <a:avLst/>
+          </a:prstGeom>
+        </p:spPr>
+      </p:pic>
+    </p:spTree>
+    <p:extLst>
+      <p:ext uri="{BB962C8B-B14F-4D97-AF65-F5344CB8AC3E}">
+        <p14:creationId xmlns:p14="http://schemas.microsoft.com/office/powerpoint/2010/main" val="1643327594"/>
+      </p:ext>
+    </p:extLst>
+  </p:cSld>
+  <p:clrMapOvr>
+    <a:masterClrMapping/>
+  </p:clrMapOvr>
+</p:sld>
+</file>
+
+<file path=ppt/slides/slide8.xml><?xml version="1.0" encoding="utf-8"?>
+<p:sld xmlns:a="http://schemas.openxmlformats.org/drawingml/2006/main" xmlns:r="http://schemas.openxmlformats.org/officeDocument/2006/relationships" xmlns:p="http://schemas.openxmlformats.org/presentationml/2006/main">
+  <p:cSld>
+    <p:bg>
+      <p:bgPr>
+        <a:solidFill>
+          <a:schemeClr val="tx1"/>
+        </a:solidFill>
+        <a:effectLst/>
+      </p:bgPr>
+    </p:bg>
+    <p:spTree>
+      <p:nvGrpSpPr>
+        <p:cNvPr id="1" name=""/>
+        <p:cNvGrpSpPr/>
+        <p:nvPr/>
+      </p:nvGrpSpPr>
+      <p:grpSpPr>
+        <a:xfrm>
+          <a:off x="0" y="0"/>
+          <a:ext cx="0" cy="0"/>
+          <a:chOff x="0" y="0"/>
+          <a:chExt cx="0" cy="0"/>
+        </a:xfrm>
+      </p:grpSpPr>
+      <p:pic>
+        <p:nvPicPr>
+          <p:cNvPr id="3" name="Picture 2" descr="A picture containing drawing&#10;&#10;Description automatically generated">
+            <a:extLst>
+              <a:ext uri="{FF2B5EF4-FFF2-40B4-BE49-F238E27FC236}">
+                <a16:creationId xmlns:a16="http://schemas.microsoft.com/office/drawing/2014/main" id="{A94679A4-14CF-404B-8D96-44FBF56346D1}"/>
+              </a:ext>
+            </a:extLst>
+          </p:cNvPr>
+          <p:cNvPicPr>
+            <a:picLocks noChangeAspect="1"/>
+          </p:cNvPicPr>
+          <p:nvPr/>
+        </p:nvPicPr>
+        <p:blipFill>
+          <a:blip r:embed="rId2">
+            <a:extLst>
+              <a:ext uri="{28A0092B-C50C-407E-A947-70E740481C1C}">
+                <a14:useLocalDpi xmlns:a14="http://schemas.microsoft.com/office/drawing/2010/main" val="0"/>
+              </a:ext>
+              <a:ext uri="{837473B0-CC2E-450A-ABE3-18F120FF3D39}">
+                <a1611:picAttrSrcUrl xmlns:a1611="http://schemas.microsoft.com/office/drawing/2016/11/main" r:id="rId3"/>
+              </a:ext>
+            </a:extLst>
+          </a:blip>
+          <a:stretch>
+            <a:fillRect/>
+          </a:stretch>
+        </p:blipFill>
+        <p:spPr>
+          <a:xfrm rot="16200000">
+            <a:off x="2794085" y="2180189"/>
+            <a:ext cx="410510" cy="1263512"/>
+          </a:xfrm>
+          <a:prstGeom prst="rect">
+            <a:avLst/>
+          </a:prstGeom>
+        </p:spPr>
+      </p:pic>
+      <p:cxnSp>
+        <p:nvCxnSpPr>
+          <p:cNvPr id="4" name="Straight Connector 3">
+            <a:extLst>
+              <a:ext uri="{FF2B5EF4-FFF2-40B4-BE49-F238E27FC236}">
+                <a16:creationId xmlns:a16="http://schemas.microsoft.com/office/drawing/2014/main" id="{6E6A603E-1418-4C5E-807F-1839282F6E0F}"/>
+              </a:ext>
+            </a:extLst>
+          </p:cNvPr>
+          <p:cNvCxnSpPr/>
+          <p:nvPr/>
+        </p:nvCxnSpPr>
+        <p:spPr>
+          <a:xfrm>
+            <a:off x="1925292" y="2825197"/>
+            <a:ext cx="495300" cy="0"/>
+          </a:xfrm>
+          <a:prstGeom prst="line">
+            <a:avLst/>
+          </a:prstGeom>
+          <a:ln w="25400">
+            <a:solidFill>
+              <a:schemeClr val="accent4">
+                <a:lumMod val="40000"/>
+                <a:lumOff val="60000"/>
+              </a:schemeClr>
+            </a:solidFill>
+          </a:ln>
+        </p:spPr>
+        <p:style>
+          <a:lnRef idx="1">
+            <a:schemeClr val="accent1"/>
+          </a:lnRef>
+          <a:fillRef idx="0">
+            <a:schemeClr val="accent1"/>
+          </a:fillRef>
+          <a:effectRef idx="0">
+            <a:schemeClr val="accent1"/>
+          </a:effectRef>
+          <a:fontRef idx="minor">
+            <a:schemeClr val="tx1"/>
+          </a:fontRef>
+        </p:style>
+      </p:cxnSp>
+    </p:spTree>
+    <p:extLst>
+      <p:ext uri="{BB962C8B-B14F-4D97-AF65-F5344CB8AC3E}">
+        <p14:creationId xmlns:p14="http://schemas.microsoft.com/office/powerpoint/2010/main" val="2575822721"/>
+      </p:ext>
+    </p:extLst>
+  </p:cSld>
+  <p:clrMapOvr>
+    <a:masterClrMapping/>
+  </p:clrMapOvr>
+</p:sld>
+</file>
+
 <file path=ppt/theme/theme1.xml><?xml version="1.0" encoding="utf-8"?>
 <a:theme xmlns:a="http://schemas.openxmlformats.org/drawingml/2006/main" name="Office Theme">
   <a:themeElements>
